--- a/old/precal2_5_07.pptx
+++ b/old/precal2_5_07.pptx
@@ -10,13 +10,13 @@
   <p:sldIdLst>
     <p:sldId id="256" r:id="rId8"/>
     <p:sldId id="257" r:id="rId9"/>
-    <p:sldId id="258" r:id="rId10"/>
-    <p:sldId id="259" r:id="rId11"/>
-    <p:sldId id="260" r:id="rId12"/>
-    <p:sldId id="261" r:id="rId13"/>
-    <p:sldId id="262" r:id="rId14"/>
-    <p:sldId id="263" r:id="rId15"/>
-    <p:sldId id="264" r:id="rId16"/>
+    <p:sldId id="258" r:id="rId11"/>
+    <p:sldId id="259" r:id="rId12"/>
+    <p:sldId id="260" r:id="rId13"/>
+    <p:sldId id="261" r:id="rId14"/>
+    <p:sldId id="262" r:id="rId15"/>
+    <p:sldId id="263" r:id="rId16"/>
+    <p:sldId id="264" r:id="rId17"/>
   </p:sldIdLst>
   <p:sldSz cx="9144000" cy="5143500"/>
   <p:notesSz cx="6858000" cy="9144000"/>
@@ -322,7 +322,23 @@
 </file>
 
 <file path=ppt/commentAuthors.xml><?xml version="1.0" encoding="utf-8"?>
-<p:cmAuthorLst xmlns:a="http://schemas.openxmlformats.org/drawingml/2006/main" xmlns:r="http://schemas.openxmlformats.org/officeDocument/2006/relationships" xmlns:p="http://schemas.openxmlformats.org/presentationml/2006/main" xmlns:m="http://schemas.openxmlformats.org/officeDocument/2006/math" xmlns:a14="http://schemas.microsoft.com/office/drawing/2010/main"/>
+<p:cmAuthorLst xmlns:a="http://schemas.openxmlformats.org/drawingml/2006/main" xmlns:r="http://schemas.openxmlformats.org/officeDocument/2006/relationships" xmlns:p="http://schemas.openxmlformats.org/presentationml/2006/main" xmlns:m="http://schemas.openxmlformats.org/officeDocument/2006/math" xmlns:a14="http://schemas.microsoft.com/office/drawing/2010/main">
+  <p:cmAuthor id="0" name="50" initials="5" lastIdx="1" clrIdx="0"/>
+</p:cmAuthorLst>
+</file>
+
+<file path=ppt/comments/comment1.xml><?xml version="1.0" encoding="utf-8"?>
+<p:cmLst xmlns:a="http://schemas.openxmlformats.org/drawingml/2006/main" xmlns:r="http://schemas.openxmlformats.org/officeDocument/2006/relationships" xmlns:p="http://schemas.openxmlformats.org/presentationml/2006/main" xmlns:m="http://schemas.openxmlformats.org/officeDocument/2006/math" xmlns:a14="http://schemas.microsoft.com/office/drawing/2010/main">
+  <p:cm authorId="0" dt="2022-03-09T07:22:09.436" idx="1">
+    <p:pos x="1645" y="458"/>
+    <p:text/>
+    <p:extLst>
+      <p:ext uri="{C676402C-5697-4E1C-873F-D02D1690AC5C}">
+        <p15:threadingInfo xmlns:p15="http://schemas.microsoft.com/office/powerpoint/2012/main" timeZoneBias="300"/>
+      </p:ext>
+    </p:extLst>
+  </p:cm>
+</p:cmLst>
 </file>
 
 <file path=ppt/notesMasters/notesMaster1.xml><?xml version="1.0" encoding="utf-8"?>
@@ -567,7 +583,7 @@
       </p:grpSpPr>
       <p:sp>
         <p:nvSpPr>
-          <p:cNvPr id="193" name="Shape 193"/>
+          <p:cNvPr id="192" name="Shape 192"/>
           <p:cNvSpPr/>
           <p:nvPr>
             <p:ph type="sldImg"/>
@@ -588,7 +604,7 @@
       </p:sp>
       <p:sp>
         <p:nvSpPr>
-          <p:cNvPr id="194" name="Shape 194"/>
+          <p:cNvPr id="193" name="Shape 193"/>
           <p:cNvSpPr/>
           <p:nvPr>
             <p:ph type="body" sz="quarter" idx="1"/>
@@ -607,6 +623,33 @@
               <a:buSzPct val="100000"/>
               <a:buAutoNum type="arabicPeriod" startAt="1"/>
             </a:pPr>
+          </a:p>
+          <a:p>
+            <a:pPr marL="187157" indent="-187157">
+              <a:buSzPct val="100000"/>
+              <a:buAutoNum type="arabicPeriod" startAt="1"/>
+            </a:pPr>
+            <a:r>
+              <a:t>See handwritten lesson plan for answer.</a:t>
+            </a:r>
+          </a:p>
+          <a:p>
+            <a:pPr marL="187157" indent="-187157">
+              <a:buSzPct val="100000"/>
+              <a:buAutoNum type="arabicPeriod" startAt="1"/>
+            </a:pPr>
+            <a:r>
+              <a:t> Both evaluate to a 2x2 identity matrix (NOTE students probably won’t know this term yet. See next slide.</a:t>
+            </a:r>
+          </a:p>
+          <a:p>
+            <a:pPr marL="187157" indent="-187157">
+              <a:buSzPct val="100000"/>
+              <a:buAutoNum type="arabicPeriod" startAt="1"/>
+            </a:pPr>
+            <a:r>
+              <a:t>Will vary. Might wonder why are we learning this?</a:t>
+            </a:r>
           </a:p>
         </p:txBody>
       </p:sp>
@@ -637,7 +680,7 @@
       </p:grpSpPr>
       <p:sp>
         <p:nvSpPr>
-          <p:cNvPr id="209" name="Shape 209"/>
+          <p:cNvPr id="207" name="Shape 207"/>
           <p:cNvSpPr/>
           <p:nvPr>
             <p:ph type="sldImg"/>
@@ -658,7 +701,7 @@
       </p:sp>
       <p:sp>
         <p:nvSpPr>
-          <p:cNvPr id="210" name="Shape 210"/>
+          <p:cNvPr id="208" name="Shape 208"/>
           <p:cNvSpPr/>
           <p:nvPr>
             <p:ph type="body" sz="quarter" idx="1"/>
@@ -675,19 +718,7 @@
           <a:p>
             <a:pPr/>
             <a:r>
-              <a:t>Why Can these matrices be multiplied? Because A has 3 columns and B 3 rows.</a:t>
-            </a:r>
-          </a:p>
-          <a:p>
-            <a:pPr/>
-            <a:r>
-              <a:t>What do you notice about the product of A and B? It’s identical to B.</a:t>
-            </a:r>
-          </a:p>
-          <a:p>
-            <a:pPr/>
-            <a:r>
-              <a:t>Do you think the order of operations matter here (ie does AB=BA?) no the output will be B no ,after what.</a:t>
+              <a:t>SEE HAND WRITTEN LP.</a:t>
             </a:r>
           </a:p>
         </p:txBody>
@@ -719,7 +750,7 @@
       </p:grpSpPr>
       <p:sp>
         <p:nvSpPr>
-          <p:cNvPr id="214" name="Shape 214"/>
+          <p:cNvPr id="213" name="Shape 213"/>
           <p:cNvSpPr/>
           <p:nvPr>
             <p:ph type="sldImg"/>
@@ -740,7 +771,7 @@
       </p:sp>
       <p:sp>
         <p:nvSpPr>
-          <p:cNvPr id="215" name="Shape 215"/>
+          <p:cNvPr id="214" name="Shape 214"/>
           <p:cNvSpPr/>
           <p:nvPr>
             <p:ph type="body" sz="quarter" idx="1"/>
@@ -827,19 +858,7 @@
           <a:p>
             <a:pPr/>
             <a:r>
-              <a:t>Why Can these matrices be multiplied? Because A has 3 columns and B 3 rows.</a:t>
-            </a:r>
-          </a:p>
-          <a:p>
-            <a:pPr/>
-            <a:r>
-              <a:t>What do you notice about the product of A and B? It’s identical to B.</a:t>
-            </a:r>
-          </a:p>
-          <a:p>
-            <a:pPr/>
-            <a:r>
-              <a:t>Do you think the order of operations matter here (ie does AB=BA?) no the output will be B no ,after what.</a:t>
+              <a:t>see handwritten notes for solutions</a:t>
             </a:r>
           </a:p>
         </p:txBody>
@@ -2939,14 +2958,14 @@
             </a:r>
             <a:r>
               <a:rPr b="0"/>
-              <a:t>HDW use matrix multiplication to solve real world problems?</a:t>
+              <a:t>HDW identify the inverse of a matrix?</a:t>
             </a:r>
           </a:p>
         </p:txBody>
       </p:sp>
       <p:sp>
         <p:nvSpPr>
-          <p:cNvPr id="45" name="Dr. O’Brien  3/8/22"/>
+          <p:cNvPr id="45" name="Dr. O’Brien  3/9/22"/>
           <p:cNvSpPr txBox="1"/>
           <p:nvPr/>
         </p:nvSpPr>
@@ -2975,7 +2994,7 @@
           <a:p>
             <a:pPr/>
             <a:r>
-              <a:t>Dr. O’Brien  3/8/22</a:t>
+              <a:t>Dr. O’Brien  3/9/22</a:t>
             </a:r>
           </a:p>
         </p:txBody>
@@ -5435,7 +5454,7 @@
               </a:defRPr>
             </a:pPr>
             <a:r>
-              <a:t>Lesson 5.2</a:t>
+              <a:t>Lesson 5.3</a:t>
             </a:r>
           </a:p>
         </p:txBody>
@@ -5489,7 +5508,7 @@
               <a:defRPr sz="1600"/>
             </a:pPr>
             <a:r>
-              <a:t>8 March 2022</a:t>
+              <a:t>9 March 2022</a:t>
             </a:r>
           </a:p>
         </p:txBody>
@@ -5622,7 +5641,7 @@
                   <a:schemeClr val="accent3"/>
                 </a:solidFill>
               </a:rPr>
-              <a:t> carefully answer the questions below in your notebook.</a:t>
+              <a:t> carefully answer the question below in your notebook.</a:t>
             </a:r>
             <a:endParaRPr>
               <a:solidFill>
@@ -5636,14 +5655,14 @@
       </p:sp>
       <p:sp>
         <p:nvSpPr>
-          <p:cNvPr id="191" name="Is the equation below true or false? Use appropriate calculations to show why or why  not:"/>
+          <p:cNvPr id="191" name="Find the product for   and   (see board on left).…"/>
           <p:cNvSpPr txBox="1"/>
           <p:nvPr/>
         </p:nvSpPr>
         <p:spPr>
           <a:xfrm>
             <a:off x="1106667" y="1690925"/>
-            <a:ext cx="7069312" cy="215901"/>
+            <a:ext cx="5320896" cy="2451360"/>
           </a:xfrm>
           <a:prstGeom prst="rect">
             <a:avLst/>
@@ -5658,70 +5677,155 @@
           </a:extLst>
         </p:spPr>
         <p:txBody>
-          <a:bodyPr wrap="none" lIns="0" tIns="0" rIns="0" bIns="0">
+          <a:bodyPr lIns="0" tIns="0" rIns="0" bIns="0">
             <a:spAutoFit/>
           </a:bodyPr>
           <a:lstStyle/>
           <a:p>
-            <a:pPr/>
-            <a:r>
-              <a:t>Is the equation below </a:t>
-            </a:r>
-            <a:r>
-              <a:rPr>
+            <a:pPr marL="267368" indent="-267368">
+              <a:buSzPct val="100000"/>
+              <a:buAutoNum type="arabicPeriod" startAt="1"/>
+              <a:defRPr sz="2000">
                 <a:solidFill>
                   <a:srgbClr val="011D57"/>
                 </a:solidFill>
+              </a:defRPr>
+            </a:pPr>
+            <a:r>
+              <a:t>Find the product for </a:t>
+            </a:r>
+            <a14:m>
+              <m:oMath>
+                <m:r>
+                  <a:rPr xmlns:a="http://schemas.openxmlformats.org/drawingml/2006/main" sz="2350" i="1">
+                    <a:solidFill>
+                      <a:srgbClr val="FF6A00"/>
+                    </a:solidFill>
+                    <a:latin typeface="Cambria Math" panose="02040503050406030204" pitchFamily="18" charset="0"/>
+                  </a:rPr>
+                  <m:t>A</m:t>
+                </m:r>
+                <m:r>
+                  <a:rPr xmlns:a="http://schemas.openxmlformats.org/drawingml/2006/main" sz="2350" i="1">
+                    <a:solidFill>
+                      <a:srgbClr val="FF6A00"/>
+                    </a:solidFill>
+                    <a:latin typeface="Cambria Math" panose="02040503050406030204" pitchFamily="18" charset="0"/>
+                  </a:rPr>
+                  <m:t>×</m:t>
+                </m:r>
+                <m:r>
+                  <a:rPr xmlns:a="http://schemas.openxmlformats.org/drawingml/2006/main" sz="2350" i="1">
+                    <a:solidFill>
+                      <a:srgbClr val="FF6A00"/>
+                    </a:solidFill>
+                    <a:latin typeface="Cambria Math" panose="02040503050406030204" pitchFamily="18" charset="0"/>
+                  </a:rPr>
+                  <m:t>B</m:t>
+                </m:r>
+              </m:oMath>
+            </a14:m>
+            <a:r>
+              <a:t> and </a:t>
+            </a:r>
+            <a14:m>
+              <m:oMath>
+                <m:r>
+                  <a:rPr xmlns:a="http://schemas.openxmlformats.org/drawingml/2006/main" sz="2450" i="1">
+                    <a:solidFill>
+                      <a:srgbClr val="FF6A00"/>
+                    </a:solidFill>
+                    <a:latin typeface="Cambria Math" panose="02040503050406030204" pitchFamily="18" charset="0"/>
+                  </a:rPr>
+                  <m:t>B</m:t>
+                </m:r>
+                <m:r>
+                  <a:rPr xmlns:a="http://schemas.openxmlformats.org/drawingml/2006/main" sz="2450" i="1">
+                    <a:solidFill>
+                      <a:srgbClr val="FF6A00"/>
+                    </a:solidFill>
+                    <a:latin typeface="Cambria Math" panose="02040503050406030204" pitchFamily="18" charset="0"/>
+                  </a:rPr>
+                  <m:t>×</m:t>
+                </m:r>
+                <m:r>
+                  <a:rPr xmlns:a="http://schemas.openxmlformats.org/drawingml/2006/main" sz="2450" i="1">
+                    <a:solidFill>
+                      <a:srgbClr val="FF6A00"/>
+                    </a:solidFill>
+                    <a:latin typeface="Cambria Math" panose="02040503050406030204" pitchFamily="18" charset="0"/>
+                  </a:rPr>
+                  <m:t>A</m:t>
+                </m:r>
+              </m:oMath>
+            </a14:m>
+            <a:r>
+              <a:t> (see board on </a:t>
+            </a:r>
+            <a:r>
+              <a:rPr>
+                <a:solidFill>
+                  <a:srgbClr val="E22400"/>
+                </a:solidFill>
               </a:rPr>
-              <a:t>true</a:t>
-            </a:r>
-            <a:r>
-              <a:t> or </a:t>
-            </a:r>
-            <a:r>
-              <a:rPr>
+              <a:t>left</a:t>
+            </a:r>
+            <a:r>
+              <a:t>).</a:t>
+            </a:r>
+          </a:p>
+          <a:p>
+            <a:pPr marL="267368" indent="-267368">
+              <a:buSzPct val="100000"/>
+              <a:buAutoNum type="arabicPeriod" startAt="1"/>
+              <a:defRPr sz="2000">
                 <a:solidFill>
                   <a:srgbClr val="011D57"/>
                 </a:solidFill>
+              </a:defRPr>
+            </a:pPr>
+            <a:r>
+              <a:t>What do you </a:t>
+            </a:r>
+            <a:r>
+              <a:rPr>
+                <a:solidFill>
+                  <a:srgbClr val="FF6A00"/>
+                </a:solidFill>
               </a:rPr>
-              <a:t>false</a:t>
-            </a:r>
-            <a:r>
-              <a:t>? Use appropriate calculations to show why or why  not:</a:t>
+              <a:t>notice</a:t>
+            </a:r>
+            <a:r>
+              <a:t> about the two matrix products you found? Write at least one sentence.</a:t>
+            </a:r>
+          </a:p>
+          <a:p>
+            <a:pPr marL="267368" indent="-267368">
+              <a:buSzPct val="100000"/>
+              <a:buAutoNum type="arabicPeriod" startAt="1"/>
+              <a:defRPr sz="2000">
+                <a:solidFill>
+                  <a:srgbClr val="011D57"/>
+                </a:solidFill>
+              </a:defRPr>
+            </a:pPr>
+            <a:r>
+              <a:t>What remaining </a:t>
+            </a:r>
+            <a:r>
+              <a:rPr>
+                <a:solidFill>
+                  <a:srgbClr val="FF6A00"/>
+                </a:solidFill>
+              </a:rPr>
+              <a:t>questions</a:t>
+            </a:r>
+            <a:r>
+              <a:t> do you have about matrix multiplication? Write down at least one.</a:t>
             </a:r>
           </a:p>
         </p:txBody>
       </p:sp>
-      <p:pic>
-        <p:nvPicPr>
-          <p:cNvPr id="192" name="IMG_0114.png" descr="IMG_0114.png"/>
-          <p:cNvPicPr>
-            <a:picLocks noChangeAspect="1"/>
-          </p:cNvPicPr>
-          <p:nvPr/>
-        </p:nvPicPr>
-        <p:blipFill>
-          <a:blip r:embed="rId3">
-            <a:extLst/>
-          </a:blip>
-          <a:srcRect l="9937" t="54654" r="5650" b="34948"/>
-          <a:stretch>
-            <a:fillRect/>
-          </a:stretch>
-        </p:blipFill>
-        <p:spPr>
-          <a:xfrm>
-            <a:off x="2004285" y="2264858"/>
-            <a:ext cx="4681836" cy="768866"/>
-          </a:xfrm>
-          <a:prstGeom prst="rect">
-            <a:avLst/>
-          </a:prstGeom>
-          <a:ln w="12700">
-            <a:miter lim="400000"/>
-          </a:ln>
-        </p:spPr>
-      </p:pic>
     </p:spTree>
   </p:cSld>
   <p:clrMapOvr>
@@ -5831,7 +5935,7 @@
       </p:grpSpPr>
       <p:grpSp>
         <p:nvGrpSpPr>
-          <p:cNvPr id="198" name="framing…"/>
+          <p:cNvPr id="197" name="framing…"/>
           <p:cNvGrpSpPr/>
           <p:nvPr/>
         </p:nvGrpSpPr>
@@ -5845,7 +5949,7 @@
         </p:grpSpPr>
         <p:sp>
           <p:nvSpPr>
-            <p:cNvPr id="196" name="Rectangle"/>
+            <p:cNvPr id="195" name="Rectangle"/>
             <p:cNvSpPr/>
             <p:nvPr/>
           </p:nvSpPr>
@@ -5892,7 +5996,7 @@
         </p:sp>
         <p:sp>
           <p:nvSpPr>
-            <p:cNvPr id="197" name="framing…"/>
+            <p:cNvPr id="196" name="framing…"/>
             <p:cNvSpPr txBox="1"/>
             <p:nvPr/>
           </p:nvSpPr>
@@ -5970,7 +6074,7 @@
               </a:r>
               <a:r>
                 <a:rPr b="0"/>
-                <a:t>use matrix multiplication to solve real world problems? </a:t>
+                <a:t>identify the inverse of a matrix</a:t>
               </a:r>
               <a:endParaRPr b="0"/>
             </a:p>
@@ -6000,7 +6104,7 @@
               </a:r>
               <a:r>
                 <a:rPr b="0"/>
-                <a:t> Matrix multiplication can be very useful for solving real world problems.</a:t>
+                <a:t> Inverse of a matrix is very useful for solving systems of linear equations.</a:t>
               </a:r>
             </a:p>
             <a:p>
@@ -6029,7 +6133,7 @@
               </a:r>
               <a:r>
                 <a:rPr b="0"/>
-                <a:t>finding the inverse of a matrix</a:t>
+                <a:t>use Gauss Jordan elimination to find the inverse of a matrix.</a:t>
               </a:r>
             </a:p>
           </p:txBody>
@@ -6037,7 +6141,7 @@
       </p:grpSp>
       <p:pic>
         <p:nvPicPr>
-          <p:cNvPr id="199" name="Image" descr="Image"/>
+          <p:cNvPr id="198" name="Image" descr="Image"/>
           <p:cNvPicPr>
             <a:picLocks noChangeAspect="1"/>
           </p:cNvPicPr>
@@ -6103,7 +6207,7 @@
                                       <p:cBhvr>
                                         <p:cTn id="6" fill="hold"/>
                                         <p:tgtEl>
-                                          <p:spTgt spid="198"/>
+                                          <p:spTgt spid="197"/>
                                         </p:tgtEl>
                                         <p:attrNameLst>
                                           <p:attrName>style.visibility</p:attrName>
@@ -6144,7 +6248,7 @@
       </p:par>
     </p:tnLst>
     <p:bldLst>
-      <p:bldP build="whole" bldLvl="1" animBg="1" rev="0" advAuto="0" spid="198" grpId="1"/>
+      <p:bldP build="whole" bldLvl="1" animBg="1" rev="0" advAuto="0" spid="197" grpId="1"/>
     </p:bldLst>
   </p:timing>
 </p:sld>
@@ -6169,7 +6273,7 @@
       </p:grpSpPr>
       <p:sp>
         <p:nvSpPr>
-          <p:cNvPr id="201" name="Google Shape;118;p19"/>
+          <p:cNvPr id="200" name="Google Shape;118;p19"/>
           <p:cNvSpPr txBox="1"/>
           <p:nvPr>
             <p:ph type="title"/>
@@ -6218,7 +6322,7 @@
       </p:sp>
       <p:sp>
         <p:nvSpPr>
-          <p:cNvPr id="202" name="Welcome to our new room, B24!  Please read the information below:…"/>
+          <p:cNvPr id="201" name="Welcome to our new room, B24!  Please read the information below:…"/>
           <p:cNvSpPr txBox="1"/>
           <p:nvPr/>
         </p:nvSpPr>
@@ -6424,7 +6528,7 @@
                                       <p:cBhvr>
                                         <p:cTn id="6" fill="hold"/>
                                         <p:tgtEl>
-                                          <p:spTgt spid="202"/>
+                                          <p:spTgt spid="201"/>
                                         </p:tgtEl>
                                         <p:attrNameLst>
                                           <p:attrName>style.visibility</p:attrName>
@@ -6465,7 +6569,7 @@
       </p:par>
     </p:tnLst>
     <p:bldLst>
-      <p:bldP build="whole" bldLvl="1" animBg="1" rev="0" advAuto="0" spid="202" grpId="1"/>
+      <p:bldP build="whole" bldLvl="1" animBg="1" rev="0" advAuto="0" spid="201" grpId="1"/>
     </p:bldLst>
   </p:timing>
 </p:sld>
@@ -6490,7 +6594,7 @@
       </p:grpSpPr>
       <p:sp>
         <p:nvSpPr>
-          <p:cNvPr id="204" name="Real world problem #1"/>
+          <p:cNvPr id="203" name="Warm up"/>
           <p:cNvSpPr txBox="1"/>
           <p:nvPr>
             <p:ph type="title"/>
@@ -6515,21 +6619,21 @@
           <a:p>
             <a:pPr/>
             <a:r>
-              <a:t>Real world problem #1</a:t>
+              <a:t>Warm up</a:t>
             </a:r>
           </a:p>
         </p:txBody>
       </p:sp>
       <p:sp>
         <p:nvSpPr>
-          <p:cNvPr id="205" name="The Lehman Fruit Farm grows two varieties of fruits, apples and pineapples, and sells them at three locations in the Bronx.  Matrix A represents the amount of each fruit sold at each location in the Bronx.  Matrix B represents the prices for each variety"/>
+          <p:cNvPr id="204" name="Be sure to… copy the definition below in your notes:"/>
           <p:cNvSpPr txBox="1"/>
           <p:nvPr/>
         </p:nvSpPr>
         <p:spPr>
           <a:xfrm>
-            <a:off x="1850869" y="1171676"/>
-            <a:ext cx="4772544" cy="1079501"/>
+            <a:off x="1747894" y="2115517"/>
+            <a:ext cx="4949367" cy="215901"/>
           </a:xfrm>
           <a:prstGeom prst="rect">
             <a:avLst/>
@@ -6549,90 +6653,37 @@
           </a:bodyPr>
           <a:lstStyle/>
           <a:p>
-            <a:pPr/>
-            <a:r>
-              <a:t>The Lehman Fruit Farm grows two varieties of fruits, apples and pineapples, and sells them at three locations in the Bronx.  Matrix </a:t>
-            </a:r>
-            <a:r>
-              <a:rPr i="1"/>
-              <a:t>A </a:t>
-            </a:r>
-            <a:r>
-              <a:t>represents the amount of each fruit sold at each location in the Bronx.  Matrix B represents the prices for each variety of fruit.</a:t>
+            <a:pPr>
+              <a:defRPr>
+                <a:solidFill>
+                  <a:srgbClr val="FFAB01"/>
+                </a:solidFill>
+              </a:defRPr>
+            </a:pPr>
+            <a:r>
+              <a:t>Be sure to… </a:t>
+            </a:r>
+            <a:r>
+              <a:rPr>
+                <a:solidFill>
+                  <a:srgbClr val="11053B"/>
+                </a:solidFill>
+              </a:rPr>
+              <a:t>copy the definition below in your notes:</a:t>
             </a:r>
           </a:p>
         </p:txBody>
       </p:sp>
-      <p:pic>
-        <p:nvPicPr>
-          <p:cNvPr id="206" name="IMG_0113.png" descr="IMG_0113.png"/>
-          <p:cNvPicPr>
-            <a:picLocks noChangeAspect="1"/>
-          </p:cNvPicPr>
-          <p:nvPr/>
-        </p:nvPicPr>
-        <p:blipFill>
-          <a:blip r:embed="rId3">
-            <a:extLst/>
-          </a:blip>
-          <a:srcRect l="0" t="43787" r="53058" b="49113"/>
-          <a:stretch>
-            <a:fillRect/>
-          </a:stretch>
-        </p:blipFill>
-        <p:spPr>
-          <a:xfrm>
-            <a:off x="1730125" y="2305050"/>
-            <a:ext cx="2645505" cy="533448"/>
-          </a:xfrm>
-          <a:prstGeom prst="rect">
-            <a:avLst/>
-          </a:prstGeom>
-          <a:ln w="12700">
-            <a:miter lim="400000"/>
-          </a:ln>
-        </p:spPr>
-      </p:pic>
-      <p:pic>
-        <p:nvPicPr>
-          <p:cNvPr id="207" name="IMG_0113.png" descr="IMG_0113.png"/>
-          <p:cNvPicPr>
-            <a:picLocks noChangeAspect="1"/>
-          </p:cNvPicPr>
-          <p:nvPr/>
-        </p:nvPicPr>
-        <p:blipFill>
-          <a:blip r:embed="rId3">
-            <a:extLst/>
-          </a:blip>
-          <a:srcRect l="2700" t="56651" r="67730" b="38208"/>
-          <a:stretch>
-            <a:fillRect/>
-          </a:stretch>
-        </p:blipFill>
-        <p:spPr>
-          <a:xfrm>
-            <a:off x="4450012" y="2402235"/>
-            <a:ext cx="2097771" cy="486186"/>
-          </a:xfrm>
-          <a:prstGeom prst="rect">
-            <a:avLst/>
-          </a:prstGeom>
-          <a:ln w="12700">
-            <a:miter lim="400000"/>
-          </a:ln>
-        </p:spPr>
-      </p:pic>
       <p:sp>
         <p:nvSpPr>
-          <p:cNvPr id="208" name="Be sure to… copy the matrices and answer each question below in your notes:…"/>
+          <p:cNvPr id="205" name="Identity matrix…"/>
           <p:cNvSpPr txBox="1"/>
           <p:nvPr/>
         </p:nvSpPr>
         <p:spPr>
           <a:xfrm>
-            <a:off x="1895682" y="3039466"/>
-            <a:ext cx="4949367" cy="1079501"/>
+            <a:off x="2351794" y="2802626"/>
+            <a:ext cx="3486663" cy="1106714"/>
           </a:xfrm>
           <a:prstGeom prst="rect">
             <a:avLst/>
@@ -6655,69 +6706,204 @@
             <a:pPr>
               <a:defRPr>
                 <a:solidFill>
-                  <a:srgbClr val="FFAB01"/>
+                  <a:srgbClr val="011D57"/>
                 </a:solidFill>
               </a:defRPr>
             </a:pPr>
             <a:r>
-              <a:t>Be sure to… </a:t>
-            </a:r>
-            <a:r>
-              <a:rPr>
-                <a:solidFill>
-                  <a:srgbClr val="11053B"/>
-                </a:solidFill>
-              </a:rPr>
-              <a:t>copy the matrices and answer each question below in your notes:</a:t>
-            </a:r>
-            <a:endParaRPr>
-              <a:solidFill>
-                <a:srgbClr val="11053B"/>
-              </a:solidFill>
-            </a:endParaRPr>
-          </a:p>
-          <a:p>
-            <a:pPr marL="187157" indent="-187157">
-              <a:buSzPct val="100000"/>
-              <a:buAutoNum type="arabicPeriod" startAt="1"/>
+              <a:t>Identity matrix</a:t>
+            </a:r>
+          </a:p>
+          <a:p>
+            <a:pPr/>
+            <a:r>
+              <a:t>An </a:t>
+            </a:r>
+            <a14:m>
+              <m:oMath>
+                <m:r>
+                  <a:rPr xmlns:a="http://schemas.openxmlformats.org/drawingml/2006/main" sz="1700" i="1">
+                    <a:solidFill>
+                      <a:srgbClr val="F46524"/>
+                    </a:solidFill>
+                    <a:latin typeface="Cambria Math" panose="02040503050406030204" pitchFamily="18" charset="0"/>
+                  </a:rPr>
+                  <m:t>n</m:t>
+                </m:r>
+                <m:r>
+                  <a:rPr xmlns:a="http://schemas.openxmlformats.org/drawingml/2006/main" sz="1700" i="1">
+                    <a:solidFill>
+                      <a:srgbClr val="F46524"/>
+                    </a:solidFill>
+                    <a:latin typeface="Cambria Math" panose="02040503050406030204" pitchFamily="18" charset="0"/>
+                  </a:rPr>
+                  <m:t>×</m:t>
+                </m:r>
+                <m:r>
+                  <a:rPr xmlns:a="http://schemas.openxmlformats.org/drawingml/2006/main" sz="1700" i="1">
+                    <a:solidFill>
+                      <a:srgbClr val="F46524"/>
+                    </a:solidFill>
+                    <a:latin typeface="Cambria Math" panose="02040503050406030204" pitchFamily="18" charset="0"/>
+                  </a:rPr>
+                  <m:t>n</m:t>
+                </m:r>
+              </m:oMath>
+            </a14:m>
+            <a:r>
+              <a:t> matrix with 1s on its main diagonal and zeros everywhere else.  Denoted by </a:t>
+            </a:r>
+            <a14:m>
+              <m:oMath>
+                <m:r>
+                  <a:rPr xmlns:a="http://schemas.openxmlformats.org/drawingml/2006/main" sz="1450" i="1">
+                    <a:solidFill>
+                      <a:srgbClr val="F46524"/>
+                    </a:solidFill>
+                    <a:latin typeface="Cambria Math" panose="02040503050406030204" pitchFamily="18" charset="0"/>
+                  </a:rPr>
+                  <m:t>I</m:t>
+                </m:r>
+              </m:oMath>
+            </a14:m>
+            <a:r>
+              <a:t>. Multiplying any compatible matrix </a:t>
+            </a:r>
+            <a14:m>
+              <m:oMath>
+                <m:r>
+                  <a:rPr xmlns:a="http://schemas.openxmlformats.org/drawingml/2006/main" sz="1650" i="1">
+                    <a:solidFill>
+                      <a:srgbClr val="F46524"/>
+                    </a:solidFill>
+                    <a:latin typeface="Cambria Math" panose="02040503050406030204" pitchFamily="18" charset="0"/>
+                  </a:rPr>
+                  <m:t>A</m:t>
+                </m:r>
+              </m:oMath>
+            </a14:m>
+            <a:r>
+              <a:t> by </a:t>
+            </a:r>
+            <a14:m>
+              <m:oMath>
+                <m:r>
+                  <a:rPr xmlns:a="http://schemas.openxmlformats.org/drawingml/2006/main" sz="1450" i="1">
+                    <a:solidFill>
+                      <a:srgbClr val="F46524"/>
+                    </a:solidFill>
+                    <a:latin typeface="Cambria Math" panose="02040503050406030204" pitchFamily="18" charset="0"/>
+                  </a:rPr>
+                  <m:t>I</m:t>
+                </m:r>
+              </m:oMath>
+            </a14:m>
+            <a:r>
+              <a:t> results in the original matrix </a:t>
+            </a:r>
+            <a:r>
+              <a:rPr i="1"/>
+              <a:t>A</a:t>
+            </a:r>
+            <a:r>
+              <a:t>.</a:t>
+            </a:r>
+          </a:p>
+        </p:txBody>
+      </p:sp>
+      <p:sp>
+        <p:nvSpPr>
+          <p:cNvPr id="206" name="Find the product   (see board on right). Be sure to show all work!"/>
+          <p:cNvSpPr txBox="1"/>
+          <p:nvPr/>
+        </p:nvSpPr>
+        <p:spPr>
+          <a:xfrm>
+            <a:off x="1874784" y="1203437"/>
+            <a:ext cx="4214101" cy="440872"/>
+          </a:xfrm>
+          <a:prstGeom prst="rect">
+            <a:avLst/>
+          </a:prstGeom>
+          <a:ln w="12700">
+            <a:miter lim="400000"/>
+          </a:ln>
+          <a:extLst>
+            <a:ext uri="{C572A759-6A51-4108-AA02-DFA0A04FC94B}">
+              <ma14:wrappingTextBoxFlag xmlns:ma14="http://schemas.microsoft.com/office/mac/drawingml/2011/main" val="1"/>
+            </a:ext>
+          </a:extLst>
+        </p:spPr>
+        <p:txBody>
+          <a:bodyPr lIns="0" tIns="0" rIns="0" bIns="0">
+            <a:spAutoFit/>
+          </a:bodyPr>
+          <a:lstStyle/>
+          <a:p>
+            <a:pPr>
               <a:defRPr>
                 <a:solidFill>
-                  <a:srgbClr val="FFAB01"/>
+                  <a:srgbClr val="011D57"/>
                 </a:solidFill>
               </a:defRPr>
             </a:pPr>
             <a:r>
+              <a:t>Find the product </a:t>
+            </a:r>
+            <a14:m>
+              <m:oMath>
+                <m:r>
+                  <a:rPr xmlns:a="http://schemas.openxmlformats.org/drawingml/2006/main" sz="1700" i="1">
+                    <a:solidFill>
+                      <a:srgbClr val="FF6A00"/>
+                    </a:solidFill>
+                    <a:latin typeface="Cambria Math" panose="02040503050406030204" pitchFamily="18" charset="0"/>
+                  </a:rPr>
+                  <m:t>P</m:t>
+                </m:r>
+                <m:r>
+                  <a:rPr xmlns:a="http://schemas.openxmlformats.org/drawingml/2006/main" sz="1700" i="1">
+                    <a:solidFill>
+                      <a:srgbClr val="FF6A00"/>
+                    </a:solidFill>
+                    <a:latin typeface="Cambria Math" panose="02040503050406030204" pitchFamily="18" charset="0"/>
+                  </a:rPr>
+                  <m:t>×</m:t>
+                </m:r>
+                <m:r>
+                  <a:rPr xmlns:a="http://schemas.openxmlformats.org/drawingml/2006/main" sz="1700" i="1">
+                    <a:solidFill>
+                      <a:srgbClr val="FF6A00"/>
+                    </a:solidFill>
+                    <a:latin typeface="Cambria Math" panose="02040503050406030204" pitchFamily="18" charset="0"/>
+                  </a:rPr>
+                  <m:t>Q</m:t>
+                </m:r>
+              </m:oMath>
+            </a14:m>
+            <a:r>
+              <a:t> (see board on </a:t>
+            </a:r>
+            <a:r>
               <a:rPr>
                 <a:solidFill>
-                  <a:srgbClr val="11053B"/>
+                  <a:srgbClr val="E22400"/>
                 </a:solidFill>
               </a:rPr>
-              <a:t>How would you interpret each matrix?</a:t>
+              <a:t>right</a:t>
+            </a:r>
+            <a:r>
+              <a:t>). Be sure to </a:t>
+            </a:r>
+            <a:r>
+              <a:rPr u="sng"/>
+              <a:t>show all work!</a:t>
             </a:r>
             <a:endParaRPr>
               <a:solidFill>
-                <a:srgbClr val="11053B"/>
+                <a:srgbClr val="FF6A00"/>
               </a:solidFill>
             </a:endParaRPr>
-          </a:p>
-          <a:p>
-            <a:pPr marL="187157" indent="-187157">
-              <a:buSzPct val="100000"/>
-              <a:buAutoNum type="arabicPeriod" startAt="1"/>
-              <a:defRPr>
-                <a:solidFill>
-                  <a:srgbClr val="FFAB01"/>
-                </a:solidFill>
-              </a:defRPr>
-            </a:pPr>
-            <a:r>
-              <a:rPr>
-                <a:solidFill>
-                  <a:srgbClr val="11053B"/>
-                </a:solidFill>
-              </a:rPr>
-              <a:t>How could we use the matrices to find how much money is earned for each fruit at each location?</a:t>
-            </a:r>
           </a:p>
         </p:txBody>
       </p:sp>
@@ -6759,6 +6945,50 @@
                                     <p:set>
                                       <p:cBhvr>
                                         <p:cTn id="6" fill="hold"/>
+                                        <p:tgtEl>
+                                          <p:spTgt spid="204"/>
+                                        </p:tgtEl>
+                                        <p:attrNameLst>
+                                          <p:attrName>style.visibility</p:attrName>
+                                        </p:attrNameLst>
+                                      </p:cBhvr>
+                                      <p:to>
+                                        <p:strVal val="visible"/>
+                                      </p:to>
+                                    </p:set>
+                                  </p:childTnLst>
+                                </p:cTn>
+                              </p:par>
+                            </p:childTnLst>
+                          </p:cTn>
+                        </p:par>
+                      </p:childTnLst>
+                    </p:cTn>
+                  </p:par>
+                  <p:par>
+                    <p:cTn id="7" fill="hold">
+                      <p:stCondLst>
+                        <p:cond delay="indefinite"/>
+                      </p:stCondLst>
+                      <p:childTnLst>
+                        <p:par>
+                          <p:cTn id="8" fill="hold">
+                            <p:stCondLst>
+                              <p:cond delay="0"/>
+                            </p:stCondLst>
+                            <p:childTnLst>
+                              <p:par>
+                                <p:cTn id="9" presetClass="entr" nodeType="clickEffect" presetSubtype="0" presetID="1" grpId="2" fill="hold">
+                                  <p:stCondLst>
+                                    <p:cond delay="0"/>
+                                  </p:stCondLst>
+                                  <p:iterate type="el" backwards="0">
+                                    <p:tmAbs val="0"/>
+                                  </p:iterate>
+                                  <p:childTnLst>
+                                    <p:set>
+                                      <p:cBhvr>
+                                        <p:cTn id="10" fill="hold"/>
                                         <p:tgtEl>
                                           <p:spTgt spid="205"/>
                                         </p:tgtEl>
@@ -6801,7 +7031,8 @@
       </p:par>
     </p:tnLst>
     <p:bldLst>
-      <p:bldP build="whole" bldLvl="1" animBg="1" rev="0" advAuto="0" spid="205" grpId="1"/>
+      <p:bldP build="whole" bldLvl="1" animBg="1" rev="0" advAuto="0" spid="205" grpId="2"/>
+      <p:bldP build="whole" bldLvl="1" animBg="1" rev="0" advAuto="0" spid="204" grpId="1"/>
     </p:bldLst>
   </p:timing>
 </p:sld>
@@ -6826,7 +7057,7 @@
       </p:grpSpPr>
       <p:sp>
         <p:nvSpPr>
-          <p:cNvPr id="212" name="Real world problem #2"/>
+          <p:cNvPr id="210" name="Mini lesson"/>
           <p:cNvSpPr txBox="1"/>
           <p:nvPr>
             <p:ph type="title"/>
@@ -6847,109 +7078,21 @@
           <a:p>
             <a:pPr/>
             <a:r>
-              <a:t>Real world problem #2</a:t>
-            </a:r>
-          </a:p>
-        </p:txBody>
-      </p:sp>
-      <p:pic>
-        <p:nvPicPr>
-          <p:cNvPr id="213" name="IMG_0116.png" descr="IMG_0116.png"/>
-          <p:cNvPicPr>
-            <a:picLocks noChangeAspect="1"/>
-          </p:cNvPicPr>
-          <p:nvPr/>
-        </p:nvPicPr>
-        <p:blipFill>
-          <a:blip r:embed="rId3">
-            <a:extLst/>
-          </a:blip>
-          <a:srcRect l="0" t="11932" r="12212" b="53949"/>
-          <a:stretch>
-            <a:fillRect/>
-          </a:stretch>
-        </p:blipFill>
-        <p:spPr>
-          <a:xfrm>
-            <a:off x="2503685" y="1236158"/>
-            <a:ext cx="5001793" cy="2591895"/>
-          </a:xfrm>
-          <a:prstGeom prst="rect">
-            <a:avLst/>
-          </a:prstGeom>
-          <a:ln w="12700">
-            <a:miter lim="400000"/>
-          </a:ln>
-        </p:spPr>
-      </p:pic>
-    </p:spTree>
-  </p:cSld>
-  <p:clrMapOvr>
-    <a:masterClrMapping/>
-  </p:clrMapOvr>
-  <p:transition xmlns:p14="http://schemas.microsoft.com/office/powerpoint/2010/main" spd="med" advClick="1"/>
-</p:sld>
-</file>
-
-<file path=ppt/slides/slide7.xml><?xml version="1.0" encoding="utf-8"?>
-<p:sld xmlns:a="http://schemas.openxmlformats.org/drawingml/2006/main" xmlns:r="http://schemas.openxmlformats.org/officeDocument/2006/relationships" xmlns:p="http://schemas.openxmlformats.org/presentationml/2006/main" xmlns:m="http://schemas.openxmlformats.org/officeDocument/2006/math" xmlns:a14="http://schemas.microsoft.com/office/drawing/2010/main" showMasterSp="1" showMasterPhAnim="1">
-  <p:cSld>
-    <p:spTree>
-      <p:nvGrpSpPr>
-        <p:cNvPr id="1" name=""/>
-        <p:cNvGrpSpPr/>
-        <p:nvPr/>
-      </p:nvGrpSpPr>
-      <p:grpSpPr>
-        <a:xfrm>
-          <a:off x="0" y="0"/>
-          <a:ext cx="0" cy="0"/>
-          <a:chOff x="0" y="0"/>
-          <a:chExt cx="0" cy="0"/>
-        </a:xfrm>
-      </p:grpSpPr>
-      <p:sp>
-        <p:nvSpPr>
-          <p:cNvPr id="217" name="Real world problem #3"/>
-          <p:cNvSpPr txBox="1"/>
-          <p:nvPr>
-            <p:ph type="title"/>
-          </p:nvPr>
-        </p:nvSpPr>
-        <p:spPr>
-          <a:xfrm>
-            <a:off x="2036988" y="94994"/>
-            <a:ext cx="6923930" cy="609044"/>
-          </a:xfrm>
-          <a:prstGeom prst="rect">
-            <a:avLst/>
-          </a:prstGeom>
-        </p:spPr>
-        <p:txBody>
-          <a:bodyPr/>
-          <a:lstStyle>
-            <a:lvl1pPr defTabSz="850391">
-              <a:defRPr sz="2790"/>
-            </a:lvl1pPr>
-          </a:lstStyle>
-          <a:p>
-            <a:pPr/>
-            <a:r>
-              <a:t>Real world problem #3</a:t>
+              <a:t>Mini lesson</a:t>
             </a:r>
           </a:p>
         </p:txBody>
       </p:sp>
       <p:sp>
         <p:nvSpPr>
-          <p:cNvPr id="218" name="Alfonso started a smartphone company, alPHONEso Inc.  He’s making 5 models of phone and selling them at 3 locations in New York.  The inventories are given by matrix S and the wholesale and retail prices are given by matrix T."/>
+          <p:cNvPr id="211" name="Be sure to…follow along.  Copy notes on board. Ask questions!"/>
           <p:cNvSpPr txBox="1"/>
           <p:nvPr/>
         </p:nvSpPr>
         <p:spPr>
           <a:xfrm>
-            <a:off x="1984094" y="797536"/>
-            <a:ext cx="5736675" cy="863601"/>
+            <a:off x="2079879" y="1352600"/>
+            <a:ext cx="4984242" cy="215901"/>
           </a:xfrm>
           <a:prstGeom prst="rect">
             <a:avLst/>
@@ -6964,86 +7107,53 @@
           </a:extLst>
         </p:spPr>
         <p:txBody>
-          <a:bodyPr lIns="0" tIns="0" rIns="0" bIns="0">
+          <a:bodyPr wrap="none" lIns="0" tIns="0" rIns="0" bIns="0">
             <a:spAutoFit/>
           </a:bodyPr>
           <a:lstStyle/>
           <a:p>
-            <a:pPr/>
-            <a:r>
-              <a:t>Alfonso started a smartphone company, </a:t>
-            </a:r>
-            <a:r>
-              <a:rPr>
+            <a:pPr>
+              <a:defRPr>
                 <a:solidFill>
                   <a:srgbClr val="011D57"/>
                 </a:solidFill>
-              </a:rPr>
-              <a:t>alPHONEso Inc</a:t>
-            </a:r>
-            <a:r>
-              <a:t>.  He’s making 5 models of phone and selling them at 3 locations in New York.  The </a:t>
-            </a:r>
+              </a:defRPr>
+            </a:pPr>
             <a:r>
               <a:rPr>
                 <a:solidFill>
-                  <a:srgbClr val="011D57"/>
+                  <a:srgbClr val="FFAB01"/>
                 </a:solidFill>
               </a:rPr>
-              <a:t>inventories</a:t>
-            </a:r>
-            <a:r>
-              <a:t> are given by matrix </a:t>
-            </a:r>
-            <a:r>
-              <a:rPr i="1"/>
-              <a:t>S </a:t>
-            </a:r>
-            <a:r>
-              <a:t>and the </a:t>
+              <a:t>Be sure to</a:t>
+            </a:r>
+            <a:r>
+              <a:t>…follow along.  Copy notes on board. Ask </a:t>
             </a:r>
             <a:r>
               <a:rPr>
                 <a:solidFill>
-                  <a:srgbClr val="011D57"/>
+                  <a:srgbClr val="FF6A00"/>
                 </a:solidFill>
               </a:rPr>
-              <a:t>wholesale</a:t>
-            </a:r>
-            <a:r>
-              <a:t> and </a:t>
-            </a:r>
-            <a:r>
-              <a:rPr>
-                <a:solidFill>
-                  <a:srgbClr val="011D57"/>
-                </a:solidFill>
-              </a:rPr>
-              <a:t>retail</a:t>
-            </a:r>
-            <a:r>
-              <a:t> prices are given by matrix </a:t>
-            </a:r>
-            <a:r>
-              <a:rPr i="1"/>
-              <a:t>T</a:t>
-            </a:r>
-            <a:r>
-              <a:t>.</a:t>
+              <a:t>questions</a:t>
+            </a:r>
+            <a:r>
+              <a:t>!</a:t>
             </a:r>
           </a:p>
         </p:txBody>
       </p:sp>
       <p:sp>
         <p:nvSpPr>
-          <p:cNvPr id="219" name="Be sure to… copy the matrices and answer each question below in your notes:…"/>
+          <p:cNvPr id="212" name="Matrix inverse…"/>
           <p:cNvSpPr txBox="1"/>
           <p:nvPr/>
         </p:nvSpPr>
         <p:spPr>
           <a:xfrm>
-            <a:off x="1895682" y="3039466"/>
-            <a:ext cx="4949367" cy="1295401"/>
+            <a:off x="2097622" y="1709750"/>
+            <a:ext cx="3486663" cy="2719417"/>
           </a:xfrm>
           <a:prstGeom prst="rect">
             <a:avLst/>
@@ -7064,222 +7174,501 @@
           <a:lstStyle/>
           <a:p>
             <a:pPr>
-              <a:defRPr>
+              <a:defRPr sz="2000">
                 <a:solidFill>
-                  <a:srgbClr val="FFAB01"/>
+                  <a:srgbClr val="0061FE"/>
                 </a:solidFill>
               </a:defRPr>
             </a:pPr>
             <a:r>
-              <a:t>Be sure to… </a:t>
-            </a:r>
-            <a:r>
-              <a:rPr>
+              <a:t>Matrix inverse</a:t>
+            </a:r>
+          </a:p>
+          <a:p>
+            <a:pPr>
+              <a:defRPr i="1" sz="1700">
                 <a:solidFill>
-                  <a:srgbClr val="11053B"/>
-                </a:solidFill>
-              </a:rPr>
-              <a:t>copy the matrices and answer each question below in your notes:</a:t>
-            </a:r>
-            <a:endParaRPr>
-              <a:solidFill>
-                <a:srgbClr val="11053B"/>
-              </a:solidFill>
-            </a:endParaRPr>
-          </a:p>
-          <a:p>
-            <a:pPr marL="187157" indent="-187157">
-              <a:buSzPct val="100000"/>
-              <a:buAutoNum type="arabicPeriod" startAt="1"/>
-              <a:defRPr>
-                <a:solidFill>
-                  <a:srgbClr val="FFAB01"/>
+                  <a:srgbClr val="011D57"/>
                 </a:solidFill>
               </a:defRPr>
             </a:pPr>
-            <a:r>
-              <a:rPr>
+            <a14:m>
+              <m:oMath>
+                <m:r>
+                  <a:rPr xmlns:a="http://schemas.openxmlformats.org/drawingml/2006/main" sz="2050" i="1">
+                    <a:solidFill>
+                      <a:srgbClr val="FF6A00"/>
+                    </a:solidFill>
+                    <a:latin typeface="Cambria Math" panose="02040503050406030204" pitchFamily="18" charset="0"/>
+                  </a:rPr>
+                  <m:t>A</m:t>
+                </m:r>
+              </m:oMath>
+            </a14:m>
+            <a:r>
+              <a:t> </a:t>
+            </a:r>
+            <a:r>
+              <a:rPr i="0"/>
+              <a:t>is an </a:t>
+            </a:r>
+            <a14:m>
+              <m:oMath>
+                <m:r>
+                  <a:rPr xmlns:a="http://schemas.openxmlformats.org/drawingml/2006/main" sz="2050" i="1">
+                    <a:solidFill>
+                      <a:srgbClr val="FF6A00"/>
+                    </a:solidFill>
+                    <a:latin typeface="Cambria Math" panose="02040503050406030204" pitchFamily="18" charset="0"/>
+                  </a:rPr>
+                  <m:t>n</m:t>
+                </m:r>
+                <m:r>
+                  <a:rPr xmlns:a="http://schemas.openxmlformats.org/drawingml/2006/main" sz="2050" i="1">
+                    <a:solidFill>
+                      <a:srgbClr val="FF6A00"/>
+                    </a:solidFill>
+                    <a:latin typeface="Cambria Math" panose="02040503050406030204" pitchFamily="18" charset="0"/>
+                  </a:rPr>
+                  <m:t>×</m:t>
+                </m:r>
+                <m:r>
+                  <a:rPr xmlns:a="http://schemas.openxmlformats.org/drawingml/2006/main" sz="2050" i="1">
+                    <a:solidFill>
+                      <a:srgbClr val="FF6A00"/>
+                    </a:solidFill>
+                    <a:latin typeface="Cambria Math" panose="02040503050406030204" pitchFamily="18" charset="0"/>
+                  </a:rPr>
+                  <m:t>n</m:t>
+                </m:r>
+              </m:oMath>
+            </a14:m>
+            <a:r>
+              <a:rPr i="0"/>
+              <a:t> square matrix.</a:t>
+            </a:r>
+            <a:endParaRPr i="0"/>
+          </a:p>
+          <a:p>
+            <a:pPr>
+              <a:defRPr i="1" sz="1700">
                 <a:solidFill>
-                  <a:srgbClr val="11053B"/>
-                </a:solidFill>
-              </a:rPr>
-              <a:t>What does </a:t>
-            </a:r>
-            <a:r>
-              <a:rPr>
-                <a:solidFill>
-                  <a:srgbClr val="FF6A00"/>
-                </a:solidFill>
-              </a:rPr>
-              <a:t>inventory</a:t>
-            </a:r>
-            <a:r>
-              <a:rPr>
-                <a:solidFill>
-                  <a:srgbClr val="11053B"/>
-                </a:solidFill>
-              </a:rPr>
-              <a:t>, </a:t>
-            </a:r>
-            <a:r>
-              <a:rPr>
-                <a:solidFill>
-                  <a:srgbClr val="FF6A00"/>
-                </a:solidFill>
-              </a:rPr>
-              <a:t>retail</a:t>
-            </a:r>
-            <a:r>
-              <a:rPr>
-                <a:solidFill>
-                  <a:srgbClr val="11053B"/>
-                </a:solidFill>
-              </a:rPr>
-              <a:t>, and </a:t>
-            </a:r>
-            <a:r>
-              <a:rPr>
-                <a:solidFill>
-                  <a:srgbClr val="FF6A00"/>
-                </a:solidFill>
-              </a:rPr>
-              <a:t>wholesale</a:t>
-            </a:r>
-            <a:r>
-              <a:rPr>
-                <a:solidFill>
-                  <a:srgbClr val="11053B"/>
-                </a:solidFill>
-              </a:rPr>
-              <a:t> mean?</a:t>
-            </a:r>
-            <a:endParaRPr>
-              <a:solidFill>
-                <a:srgbClr val="11053B"/>
-              </a:solidFill>
-            </a:endParaRPr>
-          </a:p>
-          <a:p>
-            <a:pPr marL="187157" indent="-187157">
-              <a:buSzPct val="100000"/>
-              <a:buAutoNum type="arabicPeriod" startAt="1"/>
-              <a:defRPr>
-                <a:solidFill>
-                  <a:srgbClr val="FFAB01"/>
+                  <a:srgbClr val="011D57"/>
                 </a:solidFill>
               </a:defRPr>
             </a:pPr>
-            <a:r>
-              <a:rPr>
+            <a:endParaRPr i="0"/>
+          </a:p>
+          <a:p>
+            <a:pPr>
+              <a:defRPr i="1" sz="1700">
                 <a:solidFill>
-                  <a:srgbClr val="11053B"/>
-                </a:solidFill>
-              </a:rPr>
-              <a:t> How would you interpret each matrix?</a:t>
-            </a:r>
-            <a:endParaRPr>
-              <a:solidFill>
-                <a:srgbClr val="11053B"/>
-              </a:solidFill>
-            </a:endParaRPr>
-          </a:p>
-          <a:p>
-            <a:pPr marL="187157" indent="-187157">
-              <a:buSzPct val="100000"/>
-              <a:buAutoNum type="arabicPeriod" startAt="1"/>
-              <a:defRPr>
-                <a:solidFill>
-                  <a:srgbClr val="FFAB01"/>
+                  <a:srgbClr val="011D57"/>
                 </a:solidFill>
               </a:defRPr>
             </a:pPr>
-            <a:r>
-              <a:rPr>
+            <a14:m>
+              <m:oMath>
+                <m:sSub>
+                  <m:e>
+                    <m:r>
+                      <a:rPr xmlns:a="http://schemas.openxmlformats.org/drawingml/2006/main" sz="2100" i="1">
+                        <a:solidFill>
+                          <a:srgbClr val="FF6A00"/>
+                        </a:solidFill>
+                        <a:latin typeface="Cambria Math" panose="02040503050406030204" pitchFamily="18" charset="0"/>
+                      </a:rPr>
+                      <m:t>I</m:t>
+                    </m:r>
+                  </m:e>
+                  <m:sub>
+                    <m:r>
+                      <a:rPr xmlns:a="http://schemas.openxmlformats.org/drawingml/2006/main" sz="2100" i="1">
+                        <a:solidFill>
+                          <a:srgbClr val="FF6A00"/>
+                        </a:solidFill>
+                        <a:latin typeface="Cambria Math" panose="02040503050406030204" pitchFamily="18" charset="0"/>
+                      </a:rPr>
+                      <m:t>n</m:t>
+                    </m:r>
+                  </m:sub>
+                </m:sSub>
+              </m:oMath>
+            </a14:m>
+            <a:r>
+              <a:rPr i="0"/>
+              <a:t> is an </a:t>
+            </a:r>
+            <a14:m>
+              <m:oMath>
+                <m:r>
+                  <a:rPr xmlns:a="http://schemas.openxmlformats.org/drawingml/2006/main" sz="2050" i="1">
+                    <a:solidFill>
+                      <a:srgbClr val="FF6A00"/>
+                    </a:solidFill>
+                    <a:latin typeface="Cambria Math" panose="02040503050406030204" pitchFamily="18" charset="0"/>
+                  </a:rPr>
+                  <m:t>n</m:t>
+                </m:r>
+                <m:r>
+                  <a:rPr xmlns:a="http://schemas.openxmlformats.org/drawingml/2006/main" sz="2050" i="1">
+                    <a:solidFill>
+                      <a:srgbClr val="FF6A00"/>
+                    </a:solidFill>
+                    <a:latin typeface="Cambria Math" panose="02040503050406030204" pitchFamily="18" charset="0"/>
+                  </a:rPr>
+                  <m:t>×</m:t>
+                </m:r>
+                <m:r>
+                  <a:rPr xmlns:a="http://schemas.openxmlformats.org/drawingml/2006/main" sz="2050" i="1">
+                    <a:solidFill>
+                      <a:srgbClr val="FF6A00"/>
+                    </a:solidFill>
+                    <a:latin typeface="Cambria Math" panose="02040503050406030204" pitchFamily="18" charset="0"/>
+                  </a:rPr>
+                  <m:t>n</m:t>
+                </m:r>
+              </m:oMath>
+            </a14:m>
+            <a:r>
+              <a:rPr i="0"/>
+              <a:t> identity matrix.</a:t>
+            </a:r>
+            <a:endParaRPr i="0"/>
+          </a:p>
+          <a:p>
+            <a:pPr>
+              <a:defRPr i="1" sz="1700">
                 <a:solidFill>
-                  <a:srgbClr val="11053B"/>
+                  <a:srgbClr val="011D57"/>
                 </a:solidFill>
-              </a:rPr>
-              <a:t>Calculate the product </a:t>
-            </a:r>
-            <a:r>
-              <a:rPr i="1">
+              </a:defRPr>
+            </a:pPr>
+            <a:endParaRPr i="0"/>
+          </a:p>
+          <a:p>
+            <a:pPr>
+              <a:defRPr i="1" sz="1700">
                 <a:solidFill>
-                  <a:srgbClr val="11053B"/>
+                  <a:srgbClr val="011D57"/>
                 </a:solidFill>
-              </a:rPr>
-              <a:t>ST</a:t>
-            </a:r>
-            <a:r>
-              <a:rPr>
+              </a:defRPr>
+            </a:pPr>
+            <a:r>
+              <a:rPr i="0"/>
+              <a:t>If there is a matrix </a:t>
+            </a:r>
+            <a14:m>
+              <m:oMath>
+                <m:sSup>
+                  <m:e>
+                    <m:r>
+                      <a:rPr xmlns:a="http://schemas.openxmlformats.org/drawingml/2006/main" sz="2100" i="1">
+                        <a:solidFill>
+                          <a:srgbClr val="FF6A00"/>
+                        </a:solidFill>
+                        <a:latin typeface="Cambria Math" panose="02040503050406030204" pitchFamily="18" charset="0"/>
+                      </a:rPr>
+                      <m:t>A</m:t>
+                    </m:r>
+                  </m:e>
+                  <m:sup>
+                    <m:r>
+                      <a:rPr xmlns:a="http://schemas.openxmlformats.org/drawingml/2006/main" sz="2100" i="1">
+                        <a:solidFill>
+                          <a:srgbClr val="FF6A00"/>
+                        </a:solidFill>
+                        <a:latin typeface="Cambria Math" panose="02040503050406030204" pitchFamily="18" charset="0"/>
+                      </a:rPr>
+                      <m:t>-</m:t>
+                    </m:r>
+                    <m:r>
+                      <a:rPr xmlns:a="http://schemas.openxmlformats.org/drawingml/2006/main" sz="2100" i="1">
+                        <a:solidFill>
+                          <a:srgbClr val="FF6A00"/>
+                        </a:solidFill>
+                        <a:latin typeface="Cambria Math" panose="02040503050406030204" pitchFamily="18" charset="0"/>
+                      </a:rPr>
+                      <m:t>1</m:t>
+                    </m:r>
+                  </m:sup>
+                </m:sSup>
+              </m:oMath>
+            </a14:m>
+            <a:r>
+              <a:rPr i="0"/>
+              <a:t> such that</a:t>
+            </a:r>
+            <a:endParaRPr i="0"/>
+          </a:p>
+          <a:p>
+            <a:pPr>
+              <a:defRPr i="1" sz="1700">
                 <a:solidFill>
-                  <a:srgbClr val="11053B"/>
+                  <a:srgbClr val="011D57"/>
                 </a:solidFill>
-              </a:rPr>
-              <a:t>. In a complete sentence, explain what it represents.</a:t>
-            </a:r>
+              </a:defRPr>
+            </a:pPr>
+            <a:endParaRPr i="0"/>
+          </a:p>
+          <a:p>
+            <a:pPr>
+              <a:defRPr i="1" sz="1700">
+                <a:solidFill>
+                  <a:srgbClr val="011D57"/>
+                </a:solidFill>
+              </a:defRPr>
+            </a:pPr>
+            <a:r>
+              <a:rPr i="0"/>
+              <a:t>       </a:t>
+            </a:r>
+            <a14:m>
+              <m:oMath>
+                <m:r>
+                  <a:rPr xmlns:a="http://schemas.openxmlformats.org/drawingml/2006/main" sz="2050" i="1">
+                    <a:solidFill>
+                      <a:srgbClr val="FF6A00"/>
+                    </a:solidFill>
+                    <a:latin typeface="Cambria Math" panose="02040503050406030204" pitchFamily="18" charset="0"/>
+                  </a:rPr>
+                  <m:t>A</m:t>
+                </m:r>
+                <m:r>
+                  <a:rPr xmlns:a="http://schemas.openxmlformats.org/drawingml/2006/main" sz="2050" i="1">
+                    <a:solidFill>
+                      <a:srgbClr val="FF6A00"/>
+                    </a:solidFill>
+                    <a:latin typeface="Cambria Math" panose="02040503050406030204" pitchFamily="18" charset="0"/>
+                  </a:rPr>
+                  <m:t>×</m:t>
+                </m:r>
+                <m:sSup>
+                  <m:e>
+                    <m:r>
+                      <a:rPr xmlns:a="http://schemas.openxmlformats.org/drawingml/2006/main" sz="2050" i="1">
+                        <a:solidFill>
+                          <a:srgbClr val="FF6A00"/>
+                        </a:solidFill>
+                        <a:latin typeface="Cambria Math" panose="02040503050406030204" pitchFamily="18" charset="0"/>
+                      </a:rPr>
+                      <m:t>A</m:t>
+                    </m:r>
+                  </m:e>
+                  <m:sup>
+                    <m:r>
+                      <a:rPr xmlns:a="http://schemas.openxmlformats.org/drawingml/2006/main" sz="2050" i="1">
+                        <a:solidFill>
+                          <a:srgbClr val="FF6A00"/>
+                        </a:solidFill>
+                        <a:latin typeface="Cambria Math" panose="02040503050406030204" pitchFamily="18" charset="0"/>
+                      </a:rPr>
+                      <m:t>-</m:t>
+                    </m:r>
+                    <m:r>
+                      <a:rPr xmlns:a="http://schemas.openxmlformats.org/drawingml/2006/main" sz="2050" i="1">
+                        <a:solidFill>
+                          <a:srgbClr val="FF6A00"/>
+                        </a:solidFill>
+                        <a:latin typeface="Cambria Math" panose="02040503050406030204" pitchFamily="18" charset="0"/>
+                      </a:rPr>
+                      <m:t>1</m:t>
+                    </m:r>
+                  </m:sup>
+                </m:sSup>
+                <m:r>
+                  <a:rPr xmlns:a="http://schemas.openxmlformats.org/drawingml/2006/main" sz="2050" i="1">
+                    <a:solidFill>
+                      <a:srgbClr val="FF6A00"/>
+                    </a:solidFill>
+                    <a:latin typeface="Cambria Math" panose="02040503050406030204" pitchFamily="18" charset="0"/>
+                  </a:rPr>
+                  <m:t>=</m:t>
+                </m:r>
+                <m:sSup>
+                  <m:e>
+                    <m:r>
+                      <a:rPr xmlns:a="http://schemas.openxmlformats.org/drawingml/2006/main" sz="2050" i="1">
+                        <a:solidFill>
+                          <a:srgbClr val="FF6A00"/>
+                        </a:solidFill>
+                        <a:latin typeface="Cambria Math" panose="02040503050406030204" pitchFamily="18" charset="0"/>
+                      </a:rPr>
+                      <m:t>A</m:t>
+                    </m:r>
+                  </m:e>
+                  <m:sup>
+                    <m:r>
+                      <a:rPr xmlns:a="http://schemas.openxmlformats.org/drawingml/2006/main" sz="2050" i="1">
+                        <a:solidFill>
+                          <a:srgbClr val="FF6A00"/>
+                        </a:solidFill>
+                        <a:latin typeface="Cambria Math" panose="02040503050406030204" pitchFamily="18" charset="0"/>
+                      </a:rPr>
+                      <m:t>-</m:t>
+                    </m:r>
+                    <m:r>
+                      <a:rPr xmlns:a="http://schemas.openxmlformats.org/drawingml/2006/main" sz="2050" i="1">
+                        <a:solidFill>
+                          <a:srgbClr val="FF6A00"/>
+                        </a:solidFill>
+                        <a:latin typeface="Cambria Math" panose="02040503050406030204" pitchFamily="18" charset="0"/>
+                      </a:rPr>
+                      <m:t>1</m:t>
+                    </m:r>
+                  </m:sup>
+                </m:sSup>
+                <m:r>
+                  <a:rPr xmlns:a="http://schemas.openxmlformats.org/drawingml/2006/main" sz="2050" i="1">
+                    <a:solidFill>
+                      <a:srgbClr val="FF6A00"/>
+                    </a:solidFill>
+                    <a:latin typeface="Cambria Math" panose="02040503050406030204" pitchFamily="18" charset="0"/>
+                  </a:rPr>
+                  <m:t>×</m:t>
+                </m:r>
+                <m:r>
+                  <a:rPr xmlns:a="http://schemas.openxmlformats.org/drawingml/2006/main" sz="2050" i="1">
+                    <a:solidFill>
+                      <a:srgbClr val="FF6A00"/>
+                    </a:solidFill>
+                    <a:latin typeface="Cambria Math" panose="02040503050406030204" pitchFamily="18" charset="0"/>
+                  </a:rPr>
+                  <m:t>A</m:t>
+                </m:r>
+                <m:r>
+                  <a:rPr xmlns:a="http://schemas.openxmlformats.org/drawingml/2006/main" sz="2050" i="1">
+                    <a:solidFill>
+                      <a:srgbClr val="FF6A00"/>
+                    </a:solidFill>
+                    <a:latin typeface="Cambria Math" panose="02040503050406030204" pitchFamily="18" charset="0"/>
+                  </a:rPr>
+                  <m:t>=</m:t>
+                </m:r>
+                <m:sSub>
+                  <m:e>
+                    <m:r>
+                      <a:rPr xmlns:a="http://schemas.openxmlformats.org/drawingml/2006/main" sz="2050" i="1">
+                        <a:solidFill>
+                          <a:srgbClr val="FF6A00"/>
+                        </a:solidFill>
+                        <a:latin typeface="Cambria Math" panose="02040503050406030204" pitchFamily="18" charset="0"/>
+                      </a:rPr>
+                      <m:t>I</m:t>
+                    </m:r>
+                  </m:e>
+                  <m:sub>
+                    <m:r>
+                      <a:rPr xmlns:a="http://schemas.openxmlformats.org/drawingml/2006/main" sz="2050" i="1">
+                        <a:solidFill>
+                          <a:srgbClr val="FF6A00"/>
+                        </a:solidFill>
+                        <a:latin typeface="Cambria Math" panose="02040503050406030204" pitchFamily="18" charset="0"/>
+                      </a:rPr>
+                      <m:t>n</m:t>
+                    </m:r>
+                  </m:sub>
+                </m:sSub>
+              </m:oMath>
+            </a14:m>
+            <a:endParaRPr i="0"/>
+          </a:p>
+          <a:p>
+            <a:pPr>
+              <a:defRPr i="1" sz="1700">
+                <a:solidFill>
+                  <a:srgbClr val="011D57"/>
+                </a:solidFill>
+              </a:defRPr>
+            </a:pPr>
+            <a:endParaRPr i="0"/>
+          </a:p>
+          <a:p>
+            <a:pPr>
+              <a:defRPr i="1" sz="1700">
+                <a:solidFill>
+                  <a:srgbClr val="011D57"/>
+                </a:solidFill>
+              </a:defRPr>
+            </a:pPr>
+            <a:r>
+              <a:rPr i="0"/>
+              <a:t>Then </a:t>
+            </a:r>
+            <a14:m>
+              <m:oMath>
+                <m:sSup>
+                  <m:e>
+                    <m:r>
+                      <a:rPr xmlns:a="http://schemas.openxmlformats.org/drawingml/2006/main" sz="2100" i="1">
+                        <a:solidFill>
+                          <a:srgbClr val="FF6A00"/>
+                        </a:solidFill>
+                        <a:latin typeface="Cambria Math" panose="02040503050406030204" pitchFamily="18" charset="0"/>
+                      </a:rPr>
+                      <m:t>A</m:t>
+                    </m:r>
+                  </m:e>
+                  <m:sup>
+                    <m:r>
+                      <a:rPr xmlns:a="http://schemas.openxmlformats.org/drawingml/2006/main" sz="2100" i="1">
+                        <a:solidFill>
+                          <a:srgbClr val="FF6A00"/>
+                        </a:solidFill>
+                        <a:latin typeface="Cambria Math" panose="02040503050406030204" pitchFamily="18" charset="0"/>
+                      </a:rPr>
+                      <m:t>-</m:t>
+                    </m:r>
+                    <m:r>
+                      <a:rPr xmlns:a="http://schemas.openxmlformats.org/drawingml/2006/main" sz="2100" i="1">
+                        <a:solidFill>
+                          <a:srgbClr val="FF6A00"/>
+                        </a:solidFill>
+                        <a:latin typeface="Cambria Math" panose="02040503050406030204" pitchFamily="18" charset="0"/>
+                      </a:rPr>
+                      <m:t>1</m:t>
+                    </m:r>
+                  </m:sup>
+                </m:sSup>
+              </m:oMath>
+            </a14:m>
+            <a:r>
+              <a:rPr i="0"/>
+              <a:t> is called the </a:t>
+            </a:r>
+            <a:r>
+              <a:rPr b="1" i="0"/>
+              <a:t>inverse </a:t>
+            </a:r>
+            <a:r>
+              <a:rPr i="0"/>
+              <a:t>of </a:t>
+            </a:r>
+            <a14:m>
+              <m:oMath>
+                <m:r>
+                  <a:rPr xmlns:a="http://schemas.openxmlformats.org/drawingml/2006/main" sz="2050" i="1">
+                    <a:solidFill>
+                      <a:srgbClr val="FF6A00"/>
+                    </a:solidFill>
+                    <a:latin typeface="Cambria Math" panose="02040503050406030204" pitchFamily="18" charset="0"/>
+                  </a:rPr>
+                  <m:t>A</m:t>
+                </m:r>
+              </m:oMath>
+            </a14:m>
+            <a:r>
+              <a:rPr i="0"/>
+              <a:t>.</a:t>
+            </a:r>
+            <a:endParaRPr>
+              <a:solidFill>
+                <a:srgbClr val="FF6A00"/>
+              </a:solidFill>
+            </a:endParaRPr>
           </a:p>
         </p:txBody>
       </p:sp>
-      <p:pic>
-        <p:nvPicPr>
-          <p:cNvPr id="220" name="IMG_0115.png" descr="IMG_0115.png"/>
-          <p:cNvPicPr>
-            <a:picLocks noChangeAspect="1"/>
-          </p:cNvPicPr>
-          <p:nvPr/>
-        </p:nvPicPr>
-        <p:blipFill>
-          <a:blip r:embed="rId3">
-            <a:extLst/>
-          </a:blip>
-          <a:srcRect l="36297" t="31551" r="41459" b="61108"/>
-          <a:stretch>
-            <a:fillRect/>
-          </a:stretch>
-        </p:blipFill>
-        <p:spPr>
-          <a:xfrm>
-            <a:off x="1825384" y="1897458"/>
-            <a:ext cx="1759349" cy="774127"/>
-          </a:xfrm>
-          <a:prstGeom prst="rect">
-            <a:avLst/>
-          </a:prstGeom>
-          <a:ln w="12700">
-            <a:miter lim="400000"/>
-          </a:ln>
-        </p:spPr>
-      </p:pic>
-      <p:pic>
-        <p:nvPicPr>
-          <p:cNvPr id="221" name="IMG_0115.png" descr="IMG_0115.png"/>
-          <p:cNvPicPr>
-            <a:picLocks noChangeAspect="1"/>
-          </p:cNvPicPr>
-          <p:nvPr/>
-        </p:nvPicPr>
-        <p:blipFill>
-          <a:blip r:embed="rId3">
-            <a:extLst/>
-          </a:blip>
-          <a:srcRect l="33298" t="43433" r="38680" b="44582"/>
-          <a:stretch>
-            <a:fillRect/>
-          </a:stretch>
-        </p:blipFill>
-        <p:spPr>
-          <a:xfrm>
-            <a:off x="4044692" y="1712713"/>
-            <a:ext cx="2005922" cy="1143865"/>
-          </a:xfrm>
-          <a:prstGeom prst="rect">
-            <a:avLst/>
-          </a:prstGeom>
-          <a:ln w="12700">
-            <a:miter lim="400000"/>
-          </a:ln>
-        </p:spPr>
-      </p:pic>
     </p:spTree>
   </p:cSld>
   <p:clrMapOvr>
@@ -7319,7 +7708,7 @@
                                       <p:cBhvr>
                                         <p:cTn id="6" fill="hold"/>
                                         <p:tgtEl>
-                                          <p:spTgt spid="218"/>
+                                          <p:spTgt spid="212"/>
                                         </p:tgtEl>
                                         <p:attrNameLst>
                                           <p:attrName>style.visibility</p:attrName>
@@ -7360,9 +7749,673 @@
       </p:par>
     </p:tnLst>
     <p:bldLst>
-      <p:bldP build="whole" bldLvl="1" animBg="1" rev="0" advAuto="0" spid="218" grpId="1"/>
+      <p:bldP build="whole" bldLvl="1" animBg="1" rev="0" advAuto="0" spid="212" grpId="1"/>
     </p:bldLst>
   </p:timing>
+</p:sld>
+</file>
+
+<file path=ppt/slides/slide7.xml><?xml version="1.0" encoding="utf-8"?>
+<p:sld xmlns:a="http://schemas.openxmlformats.org/drawingml/2006/main" xmlns:r="http://schemas.openxmlformats.org/officeDocument/2006/relationships" xmlns:p="http://schemas.openxmlformats.org/presentationml/2006/main" xmlns:m="http://schemas.openxmlformats.org/officeDocument/2006/math" xmlns:a14="http://schemas.microsoft.com/office/drawing/2010/main" showMasterSp="1" showMasterPhAnim="1">
+  <p:cSld>
+    <p:spTree>
+      <p:nvGrpSpPr>
+        <p:cNvPr id="1" name=""/>
+        <p:cNvGrpSpPr/>
+        <p:nvPr/>
+      </p:nvGrpSpPr>
+      <p:grpSpPr>
+        <a:xfrm>
+          <a:off x="0" y="0"/>
+          <a:ext cx="0" cy="0"/>
+          <a:chOff x="0" y="0"/>
+          <a:chExt cx="0" cy="0"/>
+        </a:xfrm>
+      </p:grpSpPr>
+      <p:sp>
+        <p:nvSpPr>
+          <p:cNvPr id="216" name="Independent work"/>
+          <p:cNvSpPr txBox="1"/>
+          <p:nvPr>
+            <p:ph type="title"/>
+          </p:nvPr>
+        </p:nvSpPr>
+        <p:spPr>
+          <a:xfrm>
+            <a:off x="2036988" y="94994"/>
+            <a:ext cx="6923930" cy="609044"/>
+          </a:xfrm>
+          <a:prstGeom prst="rect">
+            <a:avLst/>
+          </a:prstGeom>
+        </p:spPr>
+        <p:txBody>
+          <a:bodyPr/>
+          <a:lstStyle>
+            <a:lvl1pPr defTabSz="850391">
+              <a:defRPr sz="2790"/>
+            </a:lvl1pPr>
+          </a:lstStyle>
+          <a:p>
+            <a:pPr/>
+            <a:r>
+              <a:t>Independent work</a:t>
+            </a:r>
+          </a:p>
+        </p:txBody>
+      </p:sp>
+      <p:sp>
+        <p:nvSpPr>
+          <p:cNvPr id="217" name="Be sure to… answer the question below in your notes:…"/>
+          <p:cNvSpPr txBox="1"/>
+          <p:nvPr/>
+        </p:nvSpPr>
+        <p:spPr>
+          <a:xfrm>
+            <a:off x="2097316" y="791840"/>
+            <a:ext cx="4949368" cy="3484018"/>
+          </a:xfrm>
+          <a:prstGeom prst="rect">
+            <a:avLst/>
+          </a:prstGeom>
+          <a:ln w="12700">
+            <a:miter lim="400000"/>
+          </a:ln>
+          <a:extLst>
+            <a:ext uri="{C572A759-6A51-4108-AA02-DFA0A04FC94B}">
+              <ma14:wrappingTextBoxFlag xmlns:ma14="http://schemas.microsoft.com/office/mac/drawingml/2011/main" val="1"/>
+            </a:ext>
+          </a:extLst>
+        </p:spPr>
+        <p:txBody>
+          <a:bodyPr lIns="0" tIns="0" rIns="0" bIns="0">
+            <a:spAutoFit/>
+          </a:bodyPr>
+          <a:lstStyle/>
+          <a:p>
+            <a:pPr>
+              <a:defRPr>
+                <a:solidFill>
+                  <a:srgbClr val="FFAB01"/>
+                </a:solidFill>
+              </a:defRPr>
+            </a:pPr>
+            <a:r>
+              <a:t>Be sure to… </a:t>
+            </a:r>
+            <a:r>
+              <a:rPr>
+                <a:solidFill>
+                  <a:srgbClr val="11053B"/>
+                </a:solidFill>
+              </a:rPr>
+              <a:t>answer the question below in your notes:</a:t>
+            </a:r>
+            <a:endParaRPr>
+              <a:solidFill>
+                <a:srgbClr val="11053B"/>
+              </a:solidFill>
+            </a:endParaRPr>
+          </a:p>
+          <a:p>
+            <a:pPr>
+              <a:defRPr>
+                <a:solidFill>
+                  <a:srgbClr val="FFAB01"/>
+                </a:solidFill>
+              </a:defRPr>
+            </a:pPr>
+            <a:endParaRPr>
+              <a:solidFill>
+                <a:srgbClr val="11053B"/>
+              </a:solidFill>
+            </a:endParaRPr>
+          </a:p>
+          <a:p>
+            <a:pPr marL="187157" indent="-187157">
+              <a:buSzPct val="100000"/>
+              <a:buAutoNum type="arabicPeriod" startAt="1"/>
+              <a:defRPr>
+                <a:solidFill>
+                  <a:srgbClr val="016E8F"/>
+                </a:solidFill>
+              </a:defRPr>
+            </a:pPr>
+            <a:r>
+              <a:rPr>
+                <a:solidFill>
+                  <a:srgbClr val="11053B"/>
+                </a:solidFill>
+              </a:rPr>
+              <a:t>For (a-c) below, show that </a:t>
+            </a:r>
+            <a:r>
+              <a:rPr i="1">
+                <a:solidFill>
+                  <a:srgbClr val="11053B"/>
+                </a:solidFill>
+              </a:rPr>
+              <a:t>B </a:t>
+            </a:r>
+            <a:r>
+              <a:rPr>
+                <a:solidFill>
+                  <a:srgbClr val="11053B"/>
+                </a:solidFill>
+              </a:rPr>
+              <a:t>is the inverse of </a:t>
+            </a:r>
+            <a:r>
+              <a:rPr i="1">
+                <a:solidFill>
+                  <a:srgbClr val="11053B"/>
+                </a:solidFill>
+              </a:rPr>
+              <a:t>A</a:t>
+            </a:r>
+            <a:r>
+              <a:rPr>
+                <a:solidFill>
+                  <a:srgbClr val="11053B"/>
+                </a:solidFill>
+              </a:rPr>
+              <a:t>.</a:t>
+            </a:r>
+            <a:endParaRPr>
+              <a:solidFill>
+                <a:srgbClr val="11053B"/>
+              </a:solidFill>
+            </a:endParaRPr>
+          </a:p>
+          <a:p>
+            <a:pPr>
+              <a:defRPr>
+                <a:solidFill>
+                  <a:srgbClr val="016E8F"/>
+                </a:solidFill>
+              </a:defRPr>
+            </a:pPr>
+            <a:endParaRPr>
+              <a:solidFill>
+                <a:srgbClr val="11053B"/>
+              </a:solidFill>
+            </a:endParaRPr>
+          </a:p>
+          <a:p>
+            <a:pPr>
+              <a:defRPr>
+                <a:solidFill>
+                  <a:srgbClr val="016E8F"/>
+                </a:solidFill>
+              </a:defRPr>
+            </a:pPr>
+            <a:endParaRPr>
+              <a:solidFill>
+                <a:srgbClr val="11053B"/>
+              </a:solidFill>
+            </a:endParaRPr>
+          </a:p>
+          <a:p>
+            <a:pPr>
+              <a:defRPr>
+                <a:solidFill>
+                  <a:srgbClr val="016E8F"/>
+                </a:solidFill>
+              </a:defRPr>
+            </a:pPr>
+            <a:endParaRPr>
+              <a:solidFill>
+                <a:srgbClr val="11053B"/>
+              </a:solidFill>
+            </a:endParaRPr>
+          </a:p>
+          <a:p>
+            <a:pPr>
+              <a:defRPr>
+                <a:solidFill>
+                  <a:srgbClr val="016E8F"/>
+                </a:solidFill>
+              </a:defRPr>
+            </a:pPr>
+            <a:endParaRPr>
+              <a:solidFill>
+                <a:srgbClr val="11053B"/>
+              </a:solidFill>
+            </a:endParaRPr>
+          </a:p>
+          <a:p>
+            <a:pPr>
+              <a:defRPr>
+                <a:solidFill>
+                  <a:srgbClr val="016E8F"/>
+                </a:solidFill>
+              </a:defRPr>
+            </a:pPr>
+            <a:endParaRPr>
+              <a:solidFill>
+                <a:srgbClr val="11053B"/>
+              </a:solidFill>
+            </a:endParaRPr>
+          </a:p>
+          <a:p>
+            <a:pPr>
+              <a:defRPr>
+                <a:solidFill>
+                  <a:srgbClr val="016E8F"/>
+                </a:solidFill>
+              </a:defRPr>
+            </a:pPr>
+            <a:endParaRPr>
+              <a:solidFill>
+                <a:srgbClr val="11053B"/>
+              </a:solidFill>
+            </a:endParaRPr>
+          </a:p>
+          <a:p>
+            <a:pPr>
+              <a:defRPr>
+                <a:solidFill>
+                  <a:srgbClr val="016E8F"/>
+                </a:solidFill>
+              </a:defRPr>
+            </a:pPr>
+            <a:endParaRPr>
+              <a:solidFill>
+                <a:srgbClr val="11053B"/>
+              </a:solidFill>
+            </a:endParaRPr>
+          </a:p>
+          <a:p>
+            <a:pPr>
+              <a:defRPr>
+                <a:solidFill>
+                  <a:srgbClr val="016E8F"/>
+                </a:solidFill>
+              </a:defRPr>
+            </a:pPr>
+            <a:endParaRPr>
+              <a:solidFill>
+                <a:srgbClr val="11053B"/>
+              </a:solidFill>
+            </a:endParaRPr>
+          </a:p>
+          <a:p>
+            <a:pPr>
+              <a:defRPr>
+                <a:solidFill>
+                  <a:srgbClr val="016E8F"/>
+                </a:solidFill>
+              </a:defRPr>
+            </a:pPr>
+            <a:endParaRPr>
+              <a:solidFill>
+                <a:srgbClr val="11053B"/>
+              </a:solidFill>
+            </a:endParaRPr>
+          </a:p>
+          <a:p>
+            <a:pPr>
+              <a:defRPr>
+                <a:solidFill>
+                  <a:srgbClr val="016E8F"/>
+                </a:solidFill>
+              </a:defRPr>
+            </a:pPr>
+            <a:endParaRPr>
+              <a:solidFill>
+                <a:srgbClr val="11053B"/>
+              </a:solidFill>
+            </a:endParaRPr>
+          </a:p>
+          <a:p>
+            <a:pPr marL="187157" indent="-187157">
+              <a:buSzPct val="100000"/>
+              <a:buAutoNum type="arabicPeriod" startAt="2"/>
+              <a:defRPr>
+                <a:solidFill>
+                  <a:srgbClr val="016E8F"/>
+                </a:solidFill>
+              </a:defRPr>
+            </a:pPr>
+            <a:r>
+              <a:rPr>
+                <a:solidFill>
+                  <a:srgbClr val="11053B"/>
+                </a:solidFill>
+              </a:rPr>
+              <a:t>If </a:t>
+            </a:r>
+            <a14:m>
+              <m:oMath>
+                <m:r>
+                  <a:rPr xmlns:a="http://schemas.openxmlformats.org/drawingml/2006/main" sz="1650" i="1">
+                    <a:solidFill>
+                      <a:srgbClr val="11053B"/>
+                    </a:solidFill>
+                    <a:latin typeface="Cambria Math" panose="02040503050406030204" pitchFamily="18" charset="0"/>
+                  </a:rPr>
+                  <m:t>A</m:t>
+                </m:r>
+                <m:r>
+                  <a:rPr xmlns:a="http://schemas.openxmlformats.org/drawingml/2006/main" sz="1650" i="1">
+                    <a:solidFill>
+                      <a:srgbClr val="11053B"/>
+                    </a:solidFill>
+                    <a:latin typeface="Cambria Math" panose="02040503050406030204" pitchFamily="18" charset="0"/>
+                  </a:rPr>
+                  <m:t>×</m:t>
+                </m:r>
+                <m:r>
+                  <a:rPr xmlns:a="http://schemas.openxmlformats.org/drawingml/2006/main" sz="1650" i="1">
+                    <a:solidFill>
+                      <a:srgbClr val="11053B"/>
+                    </a:solidFill>
+                    <a:latin typeface="Cambria Math" panose="02040503050406030204" pitchFamily="18" charset="0"/>
+                  </a:rPr>
+                  <m:t>B</m:t>
+                </m:r>
+                <m:r>
+                  <a:rPr xmlns:a="http://schemas.openxmlformats.org/drawingml/2006/main" sz="1650" i="1">
+                    <a:solidFill>
+                      <a:srgbClr val="11053B"/>
+                    </a:solidFill>
+                    <a:latin typeface="Cambria Math" panose="02040503050406030204" pitchFamily="18" charset="0"/>
+                  </a:rPr>
+                  <m:t>=</m:t>
+                </m:r>
+                <m:sSub>
+                  <m:e>
+                    <m:r>
+                      <a:rPr xmlns:a="http://schemas.openxmlformats.org/drawingml/2006/main" sz="1650" i="1">
+                        <a:solidFill>
+                          <a:srgbClr val="11053B"/>
+                        </a:solidFill>
+                        <a:latin typeface="Cambria Math" panose="02040503050406030204" pitchFamily="18" charset="0"/>
+                      </a:rPr>
+                      <m:t>I</m:t>
+                    </m:r>
+                  </m:e>
+                  <m:sub>
+                    <m:r>
+                      <a:rPr xmlns:a="http://schemas.openxmlformats.org/drawingml/2006/main" sz="1650" i="1">
+                        <a:solidFill>
+                          <a:srgbClr val="11053B"/>
+                        </a:solidFill>
+                        <a:latin typeface="Cambria Math" panose="02040503050406030204" pitchFamily="18" charset="0"/>
+                      </a:rPr>
+                      <m:t>n</m:t>
+                    </m:r>
+                  </m:sub>
+                </m:sSub>
+              </m:oMath>
+            </a14:m>
+            <a:r>
+              <a:rPr>
+                <a:solidFill>
+                  <a:srgbClr val="11053B"/>
+                </a:solidFill>
+              </a:rPr>
+              <a:t>, and A and B are square matrices, will </a:t>
+            </a:r>
+            <a14:m>
+              <m:oMath>
+                <m:r>
+                  <a:rPr xmlns:a="http://schemas.openxmlformats.org/drawingml/2006/main" sz="1650" i="1">
+                    <a:solidFill>
+                      <a:srgbClr val="11053B"/>
+                    </a:solidFill>
+                    <a:latin typeface="Cambria Math" panose="02040503050406030204" pitchFamily="18" charset="0"/>
+                  </a:rPr>
+                  <m:t>B</m:t>
+                </m:r>
+                <m:r>
+                  <a:rPr xmlns:a="http://schemas.openxmlformats.org/drawingml/2006/main" sz="1650" i="1">
+                    <a:solidFill>
+                      <a:srgbClr val="11053B"/>
+                    </a:solidFill>
+                    <a:latin typeface="Cambria Math" panose="02040503050406030204" pitchFamily="18" charset="0"/>
+                  </a:rPr>
+                  <m:t>×</m:t>
+                </m:r>
+                <m:r>
+                  <a:rPr xmlns:a="http://schemas.openxmlformats.org/drawingml/2006/main" sz="1650" i="1">
+                    <a:solidFill>
+                      <a:srgbClr val="11053B"/>
+                    </a:solidFill>
+                    <a:latin typeface="Cambria Math" panose="02040503050406030204" pitchFamily="18" charset="0"/>
+                  </a:rPr>
+                  <m:t>A</m:t>
+                </m:r>
+                <m:r>
+                  <a:rPr xmlns:a="http://schemas.openxmlformats.org/drawingml/2006/main" sz="1650" i="1">
+                    <a:solidFill>
+                      <a:srgbClr val="11053B"/>
+                    </a:solidFill>
+                    <a:latin typeface="Cambria Math" panose="02040503050406030204" pitchFamily="18" charset="0"/>
+                  </a:rPr>
+                  <m:t>=</m:t>
+                </m:r>
+                <m:sSub>
+                  <m:e>
+                    <m:r>
+                      <a:rPr xmlns:a="http://schemas.openxmlformats.org/drawingml/2006/main" sz="1650" i="1">
+                        <a:solidFill>
+                          <a:srgbClr val="11053B"/>
+                        </a:solidFill>
+                        <a:latin typeface="Cambria Math" panose="02040503050406030204" pitchFamily="18" charset="0"/>
+                      </a:rPr>
+                      <m:t>I</m:t>
+                    </m:r>
+                  </m:e>
+                  <m:sub>
+                    <m:r>
+                      <a:rPr xmlns:a="http://schemas.openxmlformats.org/drawingml/2006/main" sz="1650" i="1">
+                        <a:solidFill>
+                          <a:srgbClr val="11053B"/>
+                        </a:solidFill>
+                        <a:latin typeface="Cambria Math" panose="02040503050406030204" pitchFamily="18" charset="0"/>
+                      </a:rPr>
+                      <m:t>n</m:t>
+                    </m:r>
+                  </m:sub>
+                </m:sSub>
+              </m:oMath>
+            </a14:m>
+            <a:r>
+              <a:rPr>
+                <a:solidFill>
+                  <a:srgbClr val="11053B"/>
+                </a:solidFill>
+              </a:rPr>
+              <a:t>? Explain why or why not.</a:t>
+            </a:r>
+            <a:endParaRPr>
+              <a:solidFill>
+                <a:srgbClr val="11053B"/>
+              </a:solidFill>
+            </a:endParaRPr>
+          </a:p>
+          <a:p>
+            <a:pPr marL="187157" indent="-187157">
+              <a:buSzPct val="100000"/>
+              <a:buAutoNum type="arabicPeriod" startAt="2"/>
+              <a:defRPr>
+                <a:solidFill>
+                  <a:srgbClr val="016E8F"/>
+                </a:solidFill>
+              </a:defRPr>
+            </a:pPr>
+            <a:r>
+              <a:rPr>
+                <a:solidFill>
+                  <a:srgbClr val="11053B"/>
+                </a:solidFill>
+              </a:rPr>
+              <a:t>If you finish early, continue working on </a:t>
+            </a:r>
+            <a:r>
+              <a:rPr b="1">
+                <a:solidFill>
+                  <a:srgbClr val="11053B"/>
+                </a:solidFill>
+              </a:rPr>
+              <a:t>Pset #3</a:t>
+            </a:r>
+            <a:r>
+              <a:rPr>
+                <a:solidFill>
+                  <a:srgbClr val="11053B"/>
+                </a:solidFill>
+              </a:rPr>
+              <a:t>.</a:t>
+            </a:r>
+          </a:p>
+        </p:txBody>
+      </p:sp>
+      <p:pic>
+        <p:nvPicPr>
+          <p:cNvPr id="218" name="Image" descr="Image"/>
+          <p:cNvPicPr>
+            <a:picLocks noChangeAspect="1"/>
+          </p:cNvPicPr>
+          <p:nvPr/>
+        </p:nvPicPr>
+        <p:blipFill>
+          <a:blip r:embed="rId3">
+            <a:extLst/>
+          </a:blip>
+          <a:srcRect l="2982" t="0" r="0" b="0"/>
+          <a:stretch>
+            <a:fillRect/>
+          </a:stretch>
+        </p:blipFill>
+        <p:spPr>
+          <a:xfrm>
+            <a:off x="2612109" y="1714499"/>
+            <a:ext cx="3055653" cy="1714501"/>
+          </a:xfrm>
+          <a:prstGeom prst="rect">
+            <a:avLst/>
+          </a:prstGeom>
+          <a:ln w="12700">
+            <a:miter lim="400000"/>
+          </a:ln>
+        </p:spPr>
+      </p:pic>
+      <p:sp>
+        <p:nvSpPr>
+          <p:cNvPr id="219" name="a."/>
+          <p:cNvSpPr txBox="1"/>
+          <p:nvPr/>
+        </p:nvSpPr>
+        <p:spPr>
+          <a:xfrm>
+            <a:off x="1965148" y="1914314"/>
+            <a:ext cx="160983" cy="215901"/>
+          </a:xfrm>
+          <a:prstGeom prst="rect">
+            <a:avLst/>
+          </a:prstGeom>
+          <a:ln w="12700">
+            <a:miter lim="400000"/>
+          </a:ln>
+          <a:extLst>
+            <a:ext uri="{C572A759-6A51-4108-AA02-DFA0A04FC94B}">
+              <ma14:wrappingTextBoxFlag xmlns:ma14="http://schemas.microsoft.com/office/mac/drawingml/2011/main" val="1"/>
+            </a:ext>
+          </a:extLst>
+        </p:spPr>
+        <p:txBody>
+          <a:bodyPr wrap="none" lIns="0" tIns="0" rIns="0" bIns="0">
+            <a:spAutoFit/>
+          </a:bodyPr>
+          <a:lstStyle/>
+          <a:p>
+            <a:pPr/>
+            <a:r>
+              <a:t>a.</a:t>
+            </a:r>
+          </a:p>
+        </p:txBody>
+      </p:sp>
+      <p:sp>
+        <p:nvSpPr>
+          <p:cNvPr id="220" name="b."/>
+          <p:cNvSpPr txBox="1"/>
+          <p:nvPr/>
+        </p:nvSpPr>
+        <p:spPr>
+          <a:xfrm>
+            <a:off x="1965148" y="2463799"/>
+            <a:ext cx="160983" cy="215901"/>
+          </a:xfrm>
+          <a:prstGeom prst="rect">
+            <a:avLst/>
+          </a:prstGeom>
+          <a:ln w="12700">
+            <a:miter lim="400000"/>
+          </a:ln>
+          <a:extLst>
+            <a:ext uri="{C572A759-6A51-4108-AA02-DFA0A04FC94B}">
+              <ma14:wrappingTextBoxFlag xmlns:ma14="http://schemas.microsoft.com/office/mac/drawingml/2011/main" val="1"/>
+            </a:ext>
+          </a:extLst>
+        </p:spPr>
+        <p:txBody>
+          <a:bodyPr wrap="none" lIns="0" tIns="0" rIns="0" bIns="0">
+            <a:spAutoFit/>
+          </a:bodyPr>
+          <a:lstStyle/>
+          <a:p>
+            <a:pPr/>
+            <a:r>
+              <a:t>b.</a:t>
+            </a:r>
+          </a:p>
+        </p:txBody>
+      </p:sp>
+      <p:sp>
+        <p:nvSpPr>
+          <p:cNvPr id="221" name="c."/>
+          <p:cNvSpPr txBox="1"/>
+          <p:nvPr/>
+        </p:nvSpPr>
+        <p:spPr>
+          <a:xfrm>
+            <a:off x="1965148" y="3027766"/>
+            <a:ext cx="150999" cy="215901"/>
+          </a:xfrm>
+          <a:prstGeom prst="rect">
+            <a:avLst/>
+          </a:prstGeom>
+          <a:ln w="12700">
+            <a:miter lim="400000"/>
+          </a:ln>
+          <a:extLst>
+            <a:ext uri="{C572A759-6A51-4108-AA02-DFA0A04FC94B}">
+              <ma14:wrappingTextBoxFlag xmlns:ma14="http://schemas.microsoft.com/office/mac/drawingml/2011/main" val="1"/>
+            </a:ext>
+          </a:extLst>
+        </p:spPr>
+        <p:txBody>
+          <a:bodyPr wrap="none" lIns="0" tIns="0" rIns="0" bIns="0">
+            <a:spAutoFit/>
+          </a:bodyPr>
+          <a:lstStyle/>
+          <a:p>
+            <a:pPr/>
+            <a:r>
+              <a:t>c.</a:t>
+            </a:r>
+          </a:p>
+        </p:txBody>
+      </p:sp>
+    </p:spTree>
+  </p:cSld>
+  <p:clrMapOvr>
+    <a:masterClrMapping/>
+  </p:clrMapOvr>
+  <p:transition xmlns:p14="http://schemas.microsoft.com/office/powerpoint/2010/main" spd="med" advClick="1"/>
 </p:sld>
 </file>
 
